--- a/clases/cap00_general/program/PAT00_Presentacion.pptx
+++ b/clases/cap00_general/program/PAT00_Presentacion.pptx
@@ -7188,17 +7188,6 @@
           </a:p>
           <a:p>
             <a:pPr algn="ctr"/>
-            <a:r>
-              <a:rPr lang="es-CL" sz="1200" dirty="0" smtClean="0">
-                <a:solidFill>
-                  <a:schemeClr val="bg1">
-                    <a:lumMod val="75000"/>
-                  </a:schemeClr>
-                </a:solidFill>
-                <a:latin typeface="Trebuchet MS" pitchFamily="34" charset="0"/>
-              </a:rPr>
-              <a:t>Semestre 2018-1</a:t>
-            </a:r>
             <a:endParaRPr lang="en-US" sz="1200" dirty="0">
               <a:solidFill>
                 <a:schemeClr val="bg1">
@@ -11440,15 +11429,7 @@
             <a:pPr algn="ctr"/>
             <a:r>
               <a:rPr lang="es-ES_tradnl" sz="2400" smtClean="0"/>
-              <a:t>entre 50 y 60</a:t>
-            </a:r>
-            <a:r>
-              <a:rPr lang="es-ES_tradnl" sz="2400" smtClean="0"/>
-              <a:t> </a:t>
-            </a:r>
-            <a:r>
-              <a:rPr lang="es-ES_tradnl" sz="2400" smtClean="0"/>
-              <a:t>años</a:t>
+              <a:t>entre 50 y 60 años</a:t>
             </a:r>
             <a:endParaRPr lang="es-ES_tradnl" sz="2400" dirty="0"/>
           </a:p>
